--- a/Impacts_to_TennCare_Presentation.pptx
+++ b/Impacts_to_TennCare_Presentation.pptx
@@ -5,10 +5,10 @@
     <p:sldMasterId id="2147483906" r:id="rId1"/>
   </p:sldMasterIdLst>
   <p:notesMasterIdLst>
-    <p:notesMasterId r:id="rId20"/>
+    <p:notesMasterId r:id="rId21"/>
   </p:notesMasterIdLst>
   <p:handoutMasterIdLst>
-    <p:handoutMasterId r:id="rId21"/>
+    <p:handoutMasterId r:id="rId22"/>
   </p:handoutMasterIdLst>
   <p:sldIdLst>
     <p:sldId id="257" r:id="rId2"/>
@@ -28,7 +28,8 @@
     <p:sldId id="272" r:id="rId16"/>
     <p:sldId id="279" r:id="rId17"/>
     <p:sldId id="274" r:id="rId18"/>
-    <p:sldId id="266" r:id="rId19"/>
+    <p:sldId id="280" r:id="rId19"/>
+    <p:sldId id="266" r:id="rId20"/>
   </p:sldIdLst>
   <p:sldSz cx="12192000" cy="6858000"/>
   <p:notesSz cx="6858000" cy="9144000"/>
@@ -24828,7 +24829,7 @@
           <a:p>
             <a:fld id="{68796EA6-6F25-4F19-87BA-7ADCC16DAEFF}" type="datetimeFigureOut">
               <a:rPr lang="en-US" smtClean="0"/>
-              <a:t>1/6/2020</a:t>
+              <a:t>1/8/2020</a:t>
             </a:fld>
             <a:endParaRPr lang="en-US" dirty="0"/>
           </a:p>
@@ -24993,7 +24994,7 @@
           <a:p>
             <a:fld id="{C39C172E-A8B5-46F6-B05C-DFA3E2E0F207}" type="datetimeFigureOut">
               <a:rPr lang="en-US" smtClean="0"/>
-              <a:t>1/6/2020</a:t>
+              <a:t>1/8/2020</a:t>
             </a:fld>
             <a:endParaRPr lang="en-US" dirty="0"/>
           </a:p>
@@ -25651,7 +25652,7 @@
           <a:p>
             <a:r>
               <a:rPr lang="en-US" dirty="0"/>
-              <a:t>Looking at the top 10 counties for unemployment, we only see a correlation between 4 of the top 10 counties.</a:t>
+              <a:t>Looking at the top 10 counties for unemployment, we also see a correlation between 4 of the top 10 counties.</a:t>
             </a:r>
           </a:p>
         </p:txBody>
@@ -26125,6 +26126,93 @@
           <a:bodyPr/>
           <a:lstStyle/>
           <a:p>
+            <a:r>
+              <a:rPr lang="en-US" dirty="0"/>
+              <a:t>I’ve also created a Tableau dashboard that allows you to see view the annual Poverty, Birth, Unemployment and Enrollment numbers by county</a:t>
+            </a:r>
+          </a:p>
+        </p:txBody>
+      </p:sp>
+      <p:sp>
+        <p:nvSpPr>
+          <p:cNvPr id="4" name="Slide Number Placeholder 3"/>
+          <p:cNvSpPr>
+            <a:spLocks noGrp="1"/>
+          </p:cNvSpPr>
+          <p:nvPr>
+            <p:ph type="sldNum" sz="quarter" idx="5"/>
+          </p:nvPr>
+        </p:nvSpPr>
+        <p:spPr/>
+        <p:txBody>
+          <a:bodyPr/>
+          <a:lstStyle/>
+          <a:p>
+            <a:fld id="{32674CE4-FBD8-4481-AEFB-CA53E599A745}" type="slidenum">
+              <a:rPr lang="en-US" smtClean="0"/>
+              <a:t>18</a:t>
+            </a:fld>
+            <a:endParaRPr lang="en-US" dirty="0"/>
+          </a:p>
+        </p:txBody>
+      </p:sp>
+    </p:spTree>
+    <p:extLst>
+      <p:ext uri="{BB962C8B-B14F-4D97-AF65-F5344CB8AC3E}">
+        <p14:creationId xmlns:p14="http://schemas.microsoft.com/office/powerpoint/2010/main" val="1615967414"/>
+      </p:ext>
+    </p:extLst>
+  </p:cSld>
+  <p:clrMapOvr>
+    <a:masterClrMapping/>
+  </p:clrMapOvr>
+</p:notes>
+</file>
+
+<file path=ppt/notesSlides/notesSlide19.xml><?xml version="1.0" encoding="utf-8"?>
+<p:notes xmlns:a="http://schemas.openxmlformats.org/drawingml/2006/main" xmlns:r="http://schemas.openxmlformats.org/officeDocument/2006/relationships" xmlns:p="http://schemas.openxmlformats.org/presentationml/2006/main">
+  <p:cSld>
+    <p:spTree>
+      <p:nvGrpSpPr>
+        <p:cNvPr id="1" name=""/>
+        <p:cNvGrpSpPr/>
+        <p:nvPr/>
+      </p:nvGrpSpPr>
+      <p:grpSpPr>
+        <a:xfrm>
+          <a:off x="0" y="0"/>
+          <a:ext cx="0" cy="0"/>
+          <a:chOff x="0" y="0"/>
+          <a:chExt cx="0" cy="0"/>
+        </a:xfrm>
+      </p:grpSpPr>
+      <p:sp>
+        <p:nvSpPr>
+          <p:cNvPr id="2" name="Slide Image Placeholder 1"/>
+          <p:cNvSpPr>
+            <a:spLocks noGrp="1" noRot="1" noChangeAspect="1"/>
+          </p:cNvSpPr>
+          <p:nvPr>
+            <p:ph type="sldImg"/>
+          </p:nvPr>
+        </p:nvSpPr>
+        <p:spPr/>
+      </p:sp>
+      <p:sp>
+        <p:nvSpPr>
+          <p:cNvPr id="3" name="Notes Placeholder 2"/>
+          <p:cNvSpPr>
+            <a:spLocks noGrp="1"/>
+          </p:cNvSpPr>
+          <p:nvPr>
+            <p:ph type="body" idx="1"/>
+          </p:nvPr>
+        </p:nvSpPr>
+        <p:spPr/>
+        <p:txBody>
+          <a:bodyPr/>
+          <a:lstStyle/>
+          <a:p>
             <a:endParaRPr lang="en-US" dirty="0"/>
           </a:p>
         </p:txBody>
@@ -26146,7 +26234,7 @@
           <a:p>
             <a:fld id="{32674CE4-FBD8-4481-AEFB-CA53E599A745}" type="slidenum">
               <a:rPr lang="en-US" smtClean="0"/>
-              <a:t>18</a:t>
+              <a:t>19</a:t>
             </a:fld>
             <a:endParaRPr lang="en-US" dirty="0"/>
           </a:p>
@@ -27103,7 +27191,7 @@
             <a:fld id="{4E708F12-96AD-4ED4-8132-A78F5E42C1F5}" type="datetime1">
               <a:rPr lang="en-US" smtClean="0"/>
               <a:pPr/>
-              <a:t>1/6/2020</a:t>
+              <a:t>1/8/2020</a:t>
             </a:fld>
             <a:endParaRPr lang="en-US" dirty="0"/>
           </a:p>
@@ -27332,7 +27420,7 @@
             <a:fld id="{C20F09E4-6EA4-4BF3-9FC8-FF40373B88E6}" type="datetime1">
               <a:rPr lang="en-US" smtClean="0"/>
               <a:pPr/>
-              <a:t>1/6/2020</a:t>
+              <a:t>1/8/2020</a:t>
             </a:fld>
             <a:endParaRPr lang="en-US" dirty="0"/>
           </a:p>
@@ -27593,7 +27681,7 @@
             <a:fld id="{C20F09E4-6EA4-4BF3-9FC8-FF40373B88E6}" type="datetime1">
               <a:rPr lang="en-US" smtClean="0"/>
               <a:pPr/>
-              <a:t>1/6/2020</a:t>
+              <a:t>1/8/2020</a:t>
             </a:fld>
             <a:endParaRPr lang="en-US" dirty="0"/>
           </a:p>
@@ -27772,7 +27860,7 @@
             <a:fld id="{C20F09E4-6EA4-4BF3-9FC8-FF40373B88E6}" type="datetime1">
               <a:rPr lang="en-US" smtClean="0"/>
               <a:pPr/>
-              <a:t>1/6/2020</a:t>
+              <a:t>1/8/2020</a:t>
             </a:fld>
             <a:endParaRPr lang="en-US" dirty="0"/>
           </a:p>
@@ -28119,7 +28207,7 @@
           <a:p>
             <a:fld id="{0AAE819F-B7FD-4B29-8F66-9E318144BC2A}" type="datetime1">
               <a:rPr lang="en-US" smtClean="0"/>
-              <a:t>1/6/2020</a:t>
+              <a:t>1/8/2020</a:t>
             </a:fld>
             <a:endParaRPr lang="en-US" dirty="0"/>
           </a:p>
@@ -28410,7 +28498,7 @@
             <a:fld id="{C20F09E4-6EA4-4BF3-9FC8-FF40373B88E6}" type="datetime1">
               <a:rPr lang="en-US" smtClean="0"/>
               <a:pPr/>
-              <a:t>1/6/2020</a:t>
+              <a:t>1/8/2020</a:t>
             </a:fld>
             <a:endParaRPr lang="en-US" dirty="0"/>
           </a:p>
@@ -28794,7 +28882,7 @@
             <a:fld id="{C20F09E4-6EA4-4BF3-9FC8-FF40373B88E6}" type="datetime1">
               <a:rPr lang="en-US" smtClean="0"/>
               <a:pPr/>
-              <a:t>1/6/2020</a:t>
+              <a:t>1/8/2020</a:t>
             </a:fld>
             <a:endParaRPr lang="en-US" dirty="0"/>
           </a:p>
@@ -28916,7 +29004,7 @@
           <a:p>
             <a:fld id="{9FA4CAD8-0EA7-4615-B69B-B2F199EF3A93}" type="datetime1">
               <a:rPr lang="en-US" smtClean="0"/>
-              <a:t>1/6/2020</a:t>
+              <a:t>1/8/2020</a:t>
             </a:fld>
             <a:endParaRPr lang="en-US" dirty="0"/>
           </a:p>
@@ -29102,7 +29190,7 @@
           <a:p>
             <a:fld id="{B9234BD7-6953-492C-921B-E68B2D7F14C8}" type="datetime1">
               <a:rPr lang="en-US" smtClean="0"/>
-              <a:t>1/6/2020</a:t>
+              <a:t>1/8/2020</a:t>
             </a:fld>
             <a:endParaRPr lang="en-US" dirty="0"/>
           </a:p>
@@ -29477,7 +29565,7 @@
             <a:fld id="{C20F09E4-6EA4-4BF3-9FC8-FF40373B88E6}" type="datetime1">
               <a:rPr lang="en-US" smtClean="0"/>
               <a:pPr/>
-              <a:t>1/6/2020</a:t>
+              <a:t>1/8/2020</a:t>
             </a:fld>
             <a:endParaRPr lang="en-US" dirty="0"/>
           </a:p>
@@ -29862,7 +29950,7 @@
           <a:p>
             <a:fld id="{541F67C5-D04E-4576-B61C-12ABA14BBD6C}" type="datetime1">
               <a:rPr lang="en-US" smtClean="0"/>
-              <a:t>1/6/2020</a:t>
+              <a:t>1/8/2020</a:t>
             </a:fld>
             <a:endParaRPr lang="en-US" dirty="0"/>
           </a:p>
@@ -30165,7 +30253,7 @@
             <a:fld id="{C20F09E4-6EA4-4BF3-9FC8-FF40373B88E6}" type="datetime1">
               <a:rPr lang="en-US" smtClean="0"/>
               <a:pPr/>
-              <a:t>1/6/2020</a:t>
+              <a:t>1/8/2020</a:t>
             </a:fld>
             <a:endParaRPr lang="en-US" dirty="0"/>
           </a:p>
@@ -33570,6 +33658,461 @@
           <a:chExt cx="0" cy="0"/>
         </a:xfrm>
       </p:grpSpPr>
+      <p:sp>
+        <p:nvSpPr>
+          <p:cNvPr id="27" name="Rectangle 26">
+            <a:extLst>
+              <a:ext uri="{FF2B5EF4-FFF2-40B4-BE49-F238E27FC236}">
+                <a16:creationId xmlns:a16="http://schemas.microsoft.com/office/drawing/2014/main" id="{4E4490D0-3672-446A-AC12-B4830333BDDD}"/>
+              </a:ext>
+              <a:ext uri="{C183D7F6-B498-43B3-948B-1728B52AA6E4}">
+                <adec:decorative xmlns:adec="http://schemas.microsoft.com/office/drawing/2017/decorative" val="1"/>
+              </a:ext>
+            </a:extLst>
+          </p:cNvPr>
+          <p:cNvSpPr>
+            <a:spLocks noGrp="1" noRot="1" noChangeAspect="1" noMove="1" noResize="1" noEditPoints="1" noAdjustHandles="1" noChangeArrowheads="1" noChangeShapeType="1" noTextEdit="1"/>
+          </p:cNvSpPr>
+          <p:nvPr>
+            <p:extLst>
+              <p:ext uri="{386F3935-93C4-4BCD-93E2-E3B085C9AB24}">
+                <p16:designElem xmlns:p16="http://schemas.microsoft.com/office/powerpoint/2015/main" val="1"/>
+              </p:ext>
+            </p:extLst>
+          </p:nvPr>
+        </p:nvSpPr>
+        <p:spPr>
+          <a:xfrm>
+            <a:off x="3175" y="6400800"/>
+            <a:ext cx="12188825" cy="457200"/>
+          </a:xfrm>
+          <a:prstGeom prst="rect">
+            <a:avLst/>
+          </a:prstGeom>
+          <a:solidFill>
+            <a:schemeClr val="accent2"/>
+          </a:solidFill>
+          <a:ln>
+            <a:noFill/>
+          </a:ln>
+        </p:spPr>
+        <p:style>
+          <a:lnRef idx="2">
+            <a:schemeClr val="accent1">
+              <a:shade val="50000"/>
+            </a:schemeClr>
+          </a:lnRef>
+          <a:fillRef idx="1">
+            <a:schemeClr val="accent1"/>
+          </a:fillRef>
+          <a:effectRef idx="0">
+            <a:schemeClr val="accent1"/>
+          </a:effectRef>
+          <a:fontRef idx="minor">
+            <a:schemeClr val="lt1"/>
+          </a:fontRef>
+        </p:style>
+      </p:sp>
+      <p:sp>
+        <p:nvSpPr>
+          <p:cNvPr id="29" name="Rectangle 28">
+            <a:extLst>
+              <a:ext uri="{FF2B5EF4-FFF2-40B4-BE49-F238E27FC236}">
+                <a16:creationId xmlns:a16="http://schemas.microsoft.com/office/drawing/2014/main" id="{39CB82C2-DF65-4EC1-8280-F201D50F570B}"/>
+              </a:ext>
+              <a:ext uri="{C183D7F6-B498-43B3-948B-1728B52AA6E4}">
+                <adec:decorative xmlns:adec="http://schemas.microsoft.com/office/drawing/2017/decorative" val="1"/>
+              </a:ext>
+            </a:extLst>
+          </p:cNvPr>
+          <p:cNvSpPr>
+            <a:spLocks noGrp="1" noRot="1" noChangeAspect="1" noMove="1" noResize="1" noEditPoints="1" noAdjustHandles="1" noChangeArrowheads="1" noChangeShapeType="1" noTextEdit="1"/>
+          </p:cNvSpPr>
+          <p:nvPr>
+            <p:extLst>
+              <p:ext uri="{386F3935-93C4-4BCD-93E2-E3B085C9AB24}">
+                <p16:designElem xmlns:p16="http://schemas.microsoft.com/office/powerpoint/2015/main" val="1"/>
+              </p:ext>
+            </p:extLst>
+          </p:nvPr>
+        </p:nvSpPr>
+        <p:spPr>
+          <a:xfrm>
+            <a:off x="15" y="6334316"/>
+            <a:ext cx="12188825" cy="64008"/>
+          </a:xfrm>
+          <a:prstGeom prst="rect">
+            <a:avLst/>
+          </a:prstGeom>
+          <a:solidFill>
+            <a:schemeClr val="accent1"/>
+          </a:solidFill>
+          <a:ln>
+            <a:noFill/>
+          </a:ln>
+        </p:spPr>
+        <p:style>
+          <a:lnRef idx="2">
+            <a:schemeClr val="accent1">
+              <a:shade val="50000"/>
+            </a:schemeClr>
+          </a:lnRef>
+          <a:fillRef idx="1">
+            <a:schemeClr val="accent1"/>
+          </a:fillRef>
+          <a:effectRef idx="0">
+            <a:schemeClr val="accent1"/>
+          </a:effectRef>
+          <a:fontRef idx="minor">
+            <a:schemeClr val="lt1"/>
+          </a:fontRef>
+        </p:style>
+      </p:sp>
+      <p:cxnSp>
+        <p:nvCxnSpPr>
+          <p:cNvPr id="31" name="Straight Connector 30">
+            <a:extLst>
+              <a:ext uri="{FF2B5EF4-FFF2-40B4-BE49-F238E27FC236}">
+                <a16:creationId xmlns:a16="http://schemas.microsoft.com/office/drawing/2014/main" id="{7E1D4427-852B-4B37-8E76-0E9F1810BA2A}"/>
+              </a:ext>
+              <a:ext uri="{C183D7F6-B498-43B3-948B-1728B52AA6E4}">
+                <adec:decorative xmlns:adec="http://schemas.microsoft.com/office/drawing/2017/decorative" val="1"/>
+              </a:ext>
+            </a:extLst>
+          </p:cNvPr>
+          <p:cNvCxnSpPr>
+            <a:cxnSpLocks noGrp="1" noRot="1" noChangeAspect="1" noMove="1" noResize="1" noEditPoints="1" noAdjustHandles="1" noChangeArrowheads="1" noChangeShapeType="1"/>
+          </p:cNvCxnSpPr>
+          <p:nvPr>
+            <p:extLst>
+              <p:ext uri="{386F3935-93C4-4BCD-93E2-E3B085C9AB24}">
+                <p16:designElem xmlns:p16="http://schemas.microsoft.com/office/powerpoint/2015/main" val="1"/>
+              </p:ext>
+            </p:extLst>
+          </p:nvPr>
+        </p:nvCxnSpPr>
+        <p:spPr>
+          <a:xfrm>
+            <a:off x="1207658" y="4343400"/>
+            <a:ext cx="9875520" cy="0"/>
+          </a:xfrm>
+          <a:prstGeom prst="line">
+            <a:avLst/>
+          </a:prstGeom>
+          <a:ln w="6350">
+            <a:solidFill>
+              <a:schemeClr val="tx1">
+                <a:lumMod val="50000"/>
+                <a:lumOff val="50000"/>
+              </a:schemeClr>
+            </a:solidFill>
+          </a:ln>
+        </p:spPr>
+        <p:style>
+          <a:lnRef idx="1">
+            <a:schemeClr val="accent1"/>
+          </a:lnRef>
+          <a:fillRef idx="0">
+            <a:schemeClr val="accent1"/>
+          </a:fillRef>
+          <a:effectRef idx="0">
+            <a:schemeClr val="accent1"/>
+          </a:effectRef>
+          <a:fontRef idx="minor">
+            <a:schemeClr val="tx1"/>
+          </a:fontRef>
+        </p:style>
+      </p:cxnSp>
+      <p:sp useBgFill="1">
+        <p:nvSpPr>
+          <p:cNvPr id="33" name="Rectangle 32">
+            <a:extLst>
+              <a:ext uri="{FF2B5EF4-FFF2-40B4-BE49-F238E27FC236}">
+                <a16:creationId xmlns:a16="http://schemas.microsoft.com/office/drawing/2014/main" id="{8D0DE514-8876-4D18-A995-61A5C1F813F1}"/>
+              </a:ext>
+              <a:ext uri="{C183D7F6-B498-43B3-948B-1728B52AA6E4}">
+                <adec:decorative xmlns:adec="http://schemas.microsoft.com/office/drawing/2017/decorative" val="1"/>
+              </a:ext>
+            </a:extLst>
+          </p:cNvPr>
+          <p:cNvSpPr>
+            <a:spLocks noGrp="1" noRot="1" noChangeAspect="1" noMove="1" noResize="1" noEditPoints="1" noAdjustHandles="1" noChangeArrowheads="1" noChangeShapeType="1" noTextEdit="1"/>
+          </p:cNvSpPr>
+          <p:nvPr>
+            <p:extLst>
+              <p:ext uri="{386F3935-93C4-4BCD-93E2-E3B085C9AB24}">
+                <p16:designElem xmlns:p16="http://schemas.microsoft.com/office/powerpoint/2015/main" val="1"/>
+              </p:ext>
+            </p:extLst>
+          </p:nvPr>
+        </p:nvSpPr>
+        <p:spPr>
+          <a:xfrm>
+            <a:off x="0" y="0"/>
+            <a:ext cx="12192001" cy="4904190"/>
+          </a:xfrm>
+          <a:prstGeom prst="rect">
+            <a:avLst/>
+          </a:prstGeom>
+          <a:ln>
+            <a:noFill/>
+          </a:ln>
+        </p:spPr>
+        <p:style>
+          <a:lnRef idx="2">
+            <a:schemeClr val="accent1">
+              <a:shade val="50000"/>
+            </a:schemeClr>
+          </a:lnRef>
+          <a:fillRef idx="1">
+            <a:schemeClr val="accent1"/>
+          </a:fillRef>
+          <a:effectRef idx="0">
+            <a:schemeClr val="accent1"/>
+          </a:effectRef>
+          <a:fontRef idx="minor">
+            <a:schemeClr val="lt1"/>
+          </a:fontRef>
+        </p:style>
+        <p:txBody>
+          <a:bodyPr rtlCol="0" anchor="ctr"/>
+          <a:lstStyle/>
+          <a:p>
+            <a:pPr algn="ctr"/>
+            <a:endParaRPr lang="en-US" dirty="0"/>
+          </a:p>
+        </p:txBody>
+      </p:sp>
+      <p:sp>
+        <p:nvSpPr>
+          <p:cNvPr id="35" name="Rectangle 34">
+            <a:extLst>
+              <a:ext uri="{FF2B5EF4-FFF2-40B4-BE49-F238E27FC236}">
+                <a16:creationId xmlns:a16="http://schemas.microsoft.com/office/drawing/2014/main" id="{09DA791C-FFCF-422E-8775-BDA6C0E5ECF0}"/>
+              </a:ext>
+              <a:ext uri="{C183D7F6-B498-43B3-948B-1728B52AA6E4}">
+                <adec:decorative xmlns:adec="http://schemas.microsoft.com/office/drawing/2017/decorative" val="1"/>
+              </a:ext>
+            </a:extLst>
+          </p:cNvPr>
+          <p:cNvSpPr>
+            <a:spLocks noGrp="1" noRot="1" noChangeAspect="1" noMove="1" noResize="1" noEditPoints="1" noAdjustHandles="1" noChangeArrowheads="1" noChangeShapeType="1" noTextEdit="1"/>
+          </p:cNvSpPr>
+          <p:nvPr>
+            <p:extLst>
+              <p:ext uri="{386F3935-93C4-4BCD-93E2-E3B085C9AB24}">
+                <p16:designElem xmlns:p16="http://schemas.microsoft.com/office/powerpoint/2015/main" val="1"/>
+              </p:ext>
+            </p:extLst>
+          </p:nvPr>
+        </p:nvSpPr>
+        <p:spPr bwMode="white">
+          <a:xfrm>
+            <a:off x="1507" y="4953000"/>
+            <a:ext cx="12188952" cy="1905000"/>
+          </a:xfrm>
+          <a:prstGeom prst="rect">
+            <a:avLst/>
+          </a:prstGeom>
+          <a:solidFill>
+            <a:schemeClr val="accent2"/>
+          </a:solidFill>
+          <a:ln>
+            <a:noFill/>
+          </a:ln>
+        </p:spPr>
+        <p:style>
+          <a:lnRef idx="2">
+            <a:schemeClr val="accent1">
+              <a:shade val="50000"/>
+            </a:schemeClr>
+          </a:lnRef>
+          <a:fillRef idx="1">
+            <a:schemeClr val="accent1"/>
+          </a:fillRef>
+          <a:effectRef idx="0">
+            <a:schemeClr val="accent1"/>
+          </a:effectRef>
+          <a:fontRef idx="minor">
+            <a:schemeClr val="lt1"/>
+          </a:fontRef>
+        </p:style>
+      </p:sp>
+      <p:sp>
+        <p:nvSpPr>
+          <p:cNvPr id="7" name="Title 6">
+            <a:extLst>
+              <a:ext uri="{FF2B5EF4-FFF2-40B4-BE49-F238E27FC236}">
+                <a16:creationId xmlns:a16="http://schemas.microsoft.com/office/drawing/2014/main" id="{3135378F-CACF-4C5C-87F0-564B5DB19832}"/>
+              </a:ext>
+            </a:extLst>
+          </p:cNvPr>
+          <p:cNvSpPr>
+            <a:spLocks noGrp="1"/>
+          </p:cNvSpPr>
+          <p:nvPr>
+            <p:ph type="title"/>
+          </p:nvPr>
+        </p:nvSpPr>
+        <p:spPr>
+          <a:xfrm>
+            <a:off x="1065227" y="5487944"/>
+            <a:ext cx="10058400" cy="822960"/>
+          </a:xfrm>
+        </p:spPr>
+        <p:txBody>
+          <a:bodyPr vert="horz" lIns="91440" tIns="45720" rIns="91440" bIns="45720" rtlCol="0" anchor="b">
+            <a:normAutofit/>
+          </a:bodyPr>
+          <a:lstStyle/>
+          <a:p>
+            <a:pPr algn="ctr"/>
+            <a:r>
+              <a:rPr lang="en-US" dirty="0">
+                <a:solidFill>
+                  <a:srgbClr val="FFFFFF"/>
+                </a:solidFill>
+              </a:rPr>
+              <a:t>Tableau Dashboard</a:t>
+            </a:r>
+          </a:p>
+        </p:txBody>
+      </p:sp>
+      <p:sp>
+        <p:nvSpPr>
+          <p:cNvPr id="37" name="Rectangle 36">
+            <a:extLst>
+              <a:ext uri="{FF2B5EF4-FFF2-40B4-BE49-F238E27FC236}">
+                <a16:creationId xmlns:a16="http://schemas.microsoft.com/office/drawing/2014/main" id="{0DCF8855-3530-4F46-A4CB-3B6686EEE4BD}"/>
+              </a:ext>
+              <a:ext uri="{C183D7F6-B498-43B3-948B-1728B52AA6E4}">
+                <adec:decorative xmlns:adec="http://schemas.microsoft.com/office/drawing/2017/decorative" val="1"/>
+              </a:ext>
+            </a:extLst>
+          </p:cNvPr>
+          <p:cNvSpPr>
+            <a:spLocks noGrp="1" noRot="1" noChangeAspect="1" noMove="1" noResize="1" noEditPoints="1" noAdjustHandles="1" noChangeArrowheads="1" noChangeShapeType="1" noTextEdit="1"/>
+          </p:cNvSpPr>
+          <p:nvPr>
+            <p:extLst>
+              <p:ext uri="{386F3935-93C4-4BCD-93E2-E3B085C9AB24}">
+                <p16:designElem xmlns:p16="http://schemas.microsoft.com/office/powerpoint/2015/main" val="1"/>
+              </p:ext>
+            </p:extLst>
+          </p:nvPr>
+        </p:nvSpPr>
+        <p:spPr>
+          <a:xfrm>
+            <a:off x="1507" y="4906176"/>
+            <a:ext cx="12188952" cy="64008"/>
+          </a:xfrm>
+          <a:prstGeom prst="rect">
+            <a:avLst/>
+          </a:prstGeom>
+          <a:solidFill>
+            <a:schemeClr val="accent1"/>
+          </a:solidFill>
+          <a:ln>
+            <a:noFill/>
+          </a:ln>
+        </p:spPr>
+        <p:style>
+          <a:lnRef idx="2">
+            <a:schemeClr val="accent1">
+              <a:shade val="50000"/>
+            </a:schemeClr>
+          </a:lnRef>
+          <a:fillRef idx="1">
+            <a:schemeClr val="accent1"/>
+          </a:fillRef>
+          <a:effectRef idx="0">
+            <a:schemeClr val="accent1"/>
+          </a:effectRef>
+          <a:fontRef idx="minor">
+            <a:schemeClr val="lt1"/>
+          </a:fontRef>
+        </p:style>
+      </p:sp>
+      <p:pic>
+        <p:nvPicPr>
+          <p:cNvPr id="3" name="Picture 2">
+            <a:extLst>
+              <a:ext uri="{FF2B5EF4-FFF2-40B4-BE49-F238E27FC236}">
+                <a16:creationId xmlns:a16="http://schemas.microsoft.com/office/drawing/2014/main" id="{A416E4EB-B6CE-4E3E-A07E-FA7E33C27C9A}"/>
+              </a:ext>
+            </a:extLst>
+          </p:cNvPr>
+          <p:cNvPicPr>
+            <a:picLocks noChangeAspect="1"/>
+          </p:cNvPicPr>
+          <p:nvPr/>
+        </p:nvPicPr>
+        <p:blipFill>
+          <a:blip r:embed="rId3"/>
+          <a:stretch>
+            <a:fillRect/>
+          </a:stretch>
+        </p:blipFill>
+        <p:spPr>
+          <a:xfrm>
+            <a:off x="468574" y="0"/>
+            <a:ext cx="11353688" cy="4825939"/>
+          </a:xfrm>
+          <a:prstGeom prst="rect">
+            <a:avLst/>
+          </a:prstGeom>
+        </p:spPr>
+      </p:pic>
+    </p:spTree>
+    <p:extLst>
+      <p:ext uri="{BB962C8B-B14F-4D97-AF65-F5344CB8AC3E}">
+        <p14:creationId xmlns:p14="http://schemas.microsoft.com/office/powerpoint/2010/main" val="4149835752"/>
+      </p:ext>
+    </p:extLst>
+  </p:cSld>
+  <p:clrMapOvr>
+    <a:masterClrMapping/>
+  </p:clrMapOvr>
+  <mc:AlternateContent xmlns:mc="http://schemas.openxmlformats.org/markup-compatibility/2006" xmlns:p14="http://schemas.microsoft.com/office/powerpoint/2010/main">
+    <mc:Choice Requires="p14">
+      <p:transition spd="med" p14:dur="700">
+        <p:fade/>
+      </p:transition>
+    </mc:Choice>
+    <mc:Fallback xmlns="">
+      <p:transition spd="med">
+        <p:fade/>
+      </p:transition>
+    </mc:Fallback>
+  </mc:AlternateContent>
+</p:sld>
+</file>
+
+<file path=ppt/slides/slide19.xml><?xml version="1.0" encoding="utf-8"?>
+<p:sld xmlns:a="http://schemas.openxmlformats.org/drawingml/2006/main" xmlns:r="http://schemas.openxmlformats.org/officeDocument/2006/relationships" xmlns:p="http://schemas.openxmlformats.org/presentationml/2006/main">
+  <p:cSld>
+    <p:bg>
+      <p:bgPr>
+        <a:solidFill>
+          <a:schemeClr val="bg1"/>
+        </a:solidFill>
+        <a:effectLst/>
+      </p:bgPr>
+    </p:bg>
+    <p:spTree>
+      <p:nvGrpSpPr>
+        <p:cNvPr id="1" name=""/>
+        <p:cNvGrpSpPr/>
+        <p:nvPr/>
+      </p:nvGrpSpPr>
+      <p:grpSpPr>
+        <a:xfrm>
+          <a:off x="0" y="0"/>
+          <a:ext cx="0" cy="0"/>
+          <a:chOff x="0" y="0"/>
+          <a:chExt cx="0" cy="0"/>
+        </a:xfrm>
+      </p:grpSpPr>
       <p:sp useBgFill="1">
         <p:nvSpPr>
           <p:cNvPr id="8" name="Rectangle 7">

--- a/Impacts_to_TennCare_Presentation.pptx
+++ b/Impacts_to_TennCare_Presentation.pptx
@@ -24829,7 +24829,7 @@
           <a:p>
             <a:fld id="{68796EA6-6F25-4F19-87BA-7ADCC16DAEFF}" type="datetimeFigureOut">
               <a:rPr lang="en-US" smtClean="0"/>
-              <a:t>1/8/2020</a:t>
+              <a:t>1/9/2020</a:t>
             </a:fld>
             <a:endParaRPr lang="en-US" dirty="0"/>
           </a:p>
@@ -24994,7 +24994,7 @@
           <a:p>
             <a:fld id="{C39C172E-A8B5-46F6-B05C-DFA3E2E0F207}" type="datetimeFigureOut">
               <a:rPr lang="en-US" smtClean="0"/>
-              <a:t>1/8/2020</a:t>
+              <a:t>1/9/2020</a:t>
             </a:fld>
             <a:endParaRPr lang="en-US" dirty="0"/>
           </a:p>
@@ -26297,9 +26297,33 @@
           <a:bodyPr/>
           <a:lstStyle/>
           <a:p>
+            <a:pPr marL="171450" indent="-171450">
+              <a:buFont typeface="Arial" panose="020B0604020202020204" pitchFamily="34" charset="0"/>
+              <a:buChar char="•"/>
+            </a:pPr>
             <a:r>
               <a:rPr lang="en-US" dirty="0"/>
-              <a:t>Medicaid is a federal program that began in the 80’s and is the largest source of medical/health-related services for those with low income.</a:t>
+              <a:t>Medicaid is a federal and  state program</a:t>
+            </a:r>
+          </a:p>
+          <a:p>
+            <a:pPr marL="171450" indent="-171450">
+              <a:buFont typeface="Arial" panose="020B0604020202020204" pitchFamily="34" charset="0"/>
+              <a:buChar char="•"/>
+            </a:pPr>
+            <a:r>
+              <a:rPr lang="en-US" dirty="0"/>
+              <a:t>began in the 80’s</a:t>
+            </a:r>
+          </a:p>
+          <a:p>
+            <a:pPr marL="171450" indent="-171450">
+              <a:buFont typeface="Arial" panose="020B0604020202020204" pitchFamily="34" charset="0"/>
+              <a:buChar char="•"/>
+            </a:pPr>
+            <a:r>
+              <a:rPr lang="en-US" dirty="0"/>
+              <a:t>the largest source of medical/health-related services for those with low income.</a:t>
             </a:r>
           </a:p>
         </p:txBody>
@@ -26390,7 +26414,37 @@
             </a:pPr>
             <a:r>
               <a:rPr lang="en-US" dirty="0"/>
-              <a:t>TennCare is Tennessee’s Medicaid program with roughly 1.4 million members and an annual budget of 12 billion.  As mentioned, it’s </a:t>
+              <a:t>TennCare is Tennessee’s Medicaid program</a:t>
+            </a:r>
+          </a:p>
+          <a:p>
+            <a:pPr marL="171450" indent="-171450">
+              <a:buFont typeface="Arial" panose="020B0604020202020204" pitchFamily="34" charset="0"/>
+              <a:buChar char="•"/>
+            </a:pPr>
+            <a:r>
+              <a:rPr lang="en-US" dirty="0"/>
+              <a:t>roughly 1.4 million members</a:t>
+            </a:r>
+          </a:p>
+          <a:p>
+            <a:pPr marL="171450" indent="-171450">
+              <a:buFont typeface="Arial" panose="020B0604020202020204" pitchFamily="34" charset="0"/>
+              <a:buChar char="•"/>
+            </a:pPr>
+            <a:r>
+              <a:rPr lang="en-US" dirty="0"/>
+              <a:t>an annual budget of 12 billion.  </a:t>
+            </a:r>
+          </a:p>
+          <a:p>
+            <a:pPr marL="171450" indent="-171450">
+              <a:buFont typeface="Arial" panose="020B0604020202020204" pitchFamily="34" charset="0"/>
+              <a:buChar char="•"/>
+            </a:pPr>
+            <a:r>
+              <a:rPr lang="en-US" dirty="0"/>
+              <a:t>As mentioned, it’s </a:t>
             </a:r>
             <a:r>
               <a:rPr lang="en-US" sz="1200" dirty="0"/>
@@ -26482,7 +26536,13 @@
           <a:p>
             <a:r>
               <a:rPr lang="en-US" dirty="0"/>
-              <a:t>The groups that make up TennCare Eligibility are Children, Pregnant Women, Parents/Caretakers, those with disabilities and those needing nursing home care.</a:t>
+              <a:t>The groups that make up TennCare Eligibility are </a:t>
+            </a:r>
+          </a:p>
+          <a:p>
+            <a:r>
+              <a:rPr lang="en-US" dirty="0"/>
+              <a:t>Children, Pregnant Women, Parents/Caretakers, those with disabilities and those needing nursing home care.</a:t>
             </a:r>
           </a:p>
         </p:txBody>
@@ -26654,9 +26714,53 @@
           <a:bodyPr/>
           <a:lstStyle/>
           <a:p>
+            <a:pPr marL="171450" indent="-171450">
+              <a:buFont typeface="Arial" panose="020B0604020202020204" pitchFamily="34" charset="0"/>
+              <a:buChar char="•"/>
+            </a:pPr>
             <a:r>
               <a:rPr lang="en-US" dirty="0"/>
-              <a:t>Based on the TennCare eligibility groups, poverty, birth, unemployment and population numbers could be contributing factors to TennCare enrollment numbers.</a:t>
+              <a:t>Based on the TennCare eligibility groups, some possible contributing factors are:</a:t>
+            </a:r>
+          </a:p>
+          <a:p>
+            <a:pPr marL="171450" indent="-171450">
+              <a:buFont typeface="Arial" panose="020B0604020202020204" pitchFamily="34" charset="0"/>
+              <a:buChar char="•"/>
+            </a:pPr>
+            <a:r>
+              <a:rPr lang="en-US" dirty="0"/>
+              <a:t>Poverty</a:t>
+            </a:r>
+          </a:p>
+          <a:p>
+            <a:pPr marL="171450" indent="-171450">
+              <a:buFont typeface="Arial" panose="020B0604020202020204" pitchFamily="34" charset="0"/>
+              <a:buChar char="•"/>
+            </a:pPr>
+            <a:r>
+              <a:rPr lang="en-US" dirty="0"/>
+              <a:t>Birth rates</a:t>
+            </a:r>
+          </a:p>
+          <a:p>
+            <a:pPr marL="171450" indent="-171450">
+              <a:buFont typeface="Arial" panose="020B0604020202020204" pitchFamily="34" charset="0"/>
+              <a:buChar char="•"/>
+            </a:pPr>
+            <a:r>
+              <a:rPr lang="en-US" dirty="0"/>
+              <a:t>Unemployment rates</a:t>
+            </a:r>
+          </a:p>
+          <a:p>
+            <a:pPr marL="171450" indent="-171450">
+              <a:buFont typeface="Arial" panose="020B0604020202020204" pitchFamily="34" charset="0"/>
+              <a:buChar char="•"/>
+            </a:pPr>
+            <a:r>
+              <a:rPr lang="en-US" dirty="0"/>
+              <a:t>population numbers could be contributing factors to TennCare enrollment numbers.</a:t>
             </a:r>
           </a:p>
         </p:txBody>
@@ -27191,7 +27295,7 @@
             <a:fld id="{4E708F12-96AD-4ED4-8132-A78F5E42C1F5}" type="datetime1">
               <a:rPr lang="en-US" smtClean="0"/>
               <a:pPr/>
-              <a:t>1/8/2020</a:t>
+              <a:t>1/9/2020</a:t>
             </a:fld>
             <a:endParaRPr lang="en-US" dirty="0"/>
           </a:p>
@@ -27420,7 +27524,7 @@
             <a:fld id="{C20F09E4-6EA4-4BF3-9FC8-FF40373B88E6}" type="datetime1">
               <a:rPr lang="en-US" smtClean="0"/>
               <a:pPr/>
-              <a:t>1/8/2020</a:t>
+              <a:t>1/9/2020</a:t>
             </a:fld>
             <a:endParaRPr lang="en-US" dirty="0"/>
           </a:p>
@@ -27681,7 +27785,7 @@
             <a:fld id="{C20F09E4-6EA4-4BF3-9FC8-FF40373B88E6}" type="datetime1">
               <a:rPr lang="en-US" smtClean="0"/>
               <a:pPr/>
-              <a:t>1/8/2020</a:t>
+              <a:t>1/9/2020</a:t>
             </a:fld>
             <a:endParaRPr lang="en-US" dirty="0"/>
           </a:p>
@@ -27860,7 +27964,7 @@
             <a:fld id="{C20F09E4-6EA4-4BF3-9FC8-FF40373B88E6}" type="datetime1">
               <a:rPr lang="en-US" smtClean="0"/>
               <a:pPr/>
-              <a:t>1/8/2020</a:t>
+              <a:t>1/9/2020</a:t>
             </a:fld>
             <a:endParaRPr lang="en-US" dirty="0"/>
           </a:p>
@@ -28207,7 +28311,7 @@
           <a:p>
             <a:fld id="{0AAE819F-B7FD-4B29-8F66-9E318144BC2A}" type="datetime1">
               <a:rPr lang="en-US" smtClean="0"/>
-              <a:t>1/8/2020</a:t>
+              <a:t>1/9/2020</a:t>
             </a:fld>
             <a:endParaRPr lang="en-US" dirty="0"/>
           </a:p>
@@ -28498,7 +28602,7 @@
             <a:fld id="{C20F09E4-6EA4-4BF3-9FC8-FF40373B88E6}" type="datetime1">
               <a:rPr lang="en-US" smtClean="0"/>
               <a:pPr/>
-              <a:t>1/8/2020</a:t>
+              <a:t>1/9/2020</a:t>
             </a:fld>
             <a:endParaRPr lang="en-US" dirty="0"/>
           </a:p>
@@ -28882,7 +28986,7 @@
             <a:fld id="{C20F09E4-6EA4-4BF3-9FC8-FF40373B88E6}" type="datetime1">
               <a:rPr lang="en-US" smtClean="0"/>
               <a:pPr/>
-              <a:t>1/8/2020</a:t>
+              <a:t>1/9/2020</a:t>
             </a:fld>
             <a:endParaRPr lang="en-US" dirty="0"/>
           </a:p>
@@ -29004,7 +29108,7 @@
           <a:p>
             <a:fld id="{9FA4CAD8-0EA7-4615-B69B-B2F199EF3A93}" type="datetime1">
               <a:rPr lang="en-US" smtClean="0"/>
-              <a:t>1/8/2020</a:t>
+              <a:t>1/9/2020</a:t>
             </a:fld>
             <a:endParaRPr lang="en-US" dirty="0"/>
           </a:p>
@@ -29190,7 +29294,7 @@
           <a:p>
             <a:fld id="{B9234BD7-6953-492C-921B-E68B2D7F14C8}" type="datetime1">
               <a:rPr lang="en-US" smtClean="0"/>
-              <a:t>1/8/2020</a:t>
+              <a:t>1/9/2020</a:t>
             </a:fld>
             <a:endParaRPr lang="en-US" dirty="0"/>
           </a:p>
@@ -29565,7 +29669,7 @@
             <a:fld id="{C20F09E4-6EA4-4BF3-9FC8-FF40373B88E6}" type="datetime1">
               <a:rPr lang="en-US" smtClean="0"/>
               <a:pPr/>
-              <a:t>1/8/2020</a:t>
+              <a:t>1/9/2020</a:t>
             </a:fld>
             <a:endParaRPr lang="en-US" dirty="0"/>
           </a:p>
@@ -29950,7 +30054,7 @@
           <a:p>
             <a:fld id="{541F67C5-D04E-4576-B61C-12ABA14BBD6C}" type="datetime1">
               <a:rPr lang="en-US" smtClean="0"/>
-              <a:t>1/8/2020</a:t>
+              <a:t>1/9/2020</a:t>
             </a:fld>
             <a:endParaRPr lang="en-US" dirty="0"/>
           </a:p>
@@ -30253,7 +30357,7 @@
             <a:fld id="{C20F09E4-6EA4-4BF3-9FC8-FF40373B88E6}" type="datetime1">
               <a:rPr lang="en-US" smtClean="0"/>
               <a:pPr/>
-              <a:t>1/8/2020</a:t>
+              <a:t>1/9/2020</a:t>
             </a:fld>
             <a:endParaRPr lang="en-US" dirty="0"/>
           </a:p>
